--- a/Hack-A-Roo.pptx
+++ b/Hack-A-Roo.pptx
@@ -263,7 +263,7 @@
           <a:p>
             <a:fld id="{E3AC0689-6A24-4208-BF9F-1A69A3BAD549}" type="datetimeFigureOut">
               <a:rPr lang="en-US" smtClean="0"/>
-              <a:t>11/10/2019</a:t>
+              <a:t>11/11/2019</a:t>
             </a:fld>
             <a:endParaRPr lang="en-US"/>
           </a:p>
@@ -461,7 +461,7 @@
           <a:p>
             <a:fld id="{E3AC0689-6A24-4208-BF9F-1A69A3BAD549}" type="datetimeFigureOut">
               <a:rPr lang="en-US" smtClean="0"/>
-              <a:t>11/10/2019</a:t>
+              <a:t>11/11/2019</a:t>
             </a:fld>
             <a:endParaRPr lang="en-US"/>
           </a:p>
@@ -669,7 +669,7 @@
           <a:p>
             <a:fld id="{E3AC0689-6A24-4208-BF9F-1A69A3BAD549}" type="datetimeFigureOut">
               <a:rPr lang="en-US" smtClean="0"/>
-              <a:t>11/10/2019</a:t>
+              <a:t>11/11/2019</a:t>
             </a:fld>
             <a:endParaRPr lang="en-US"/>
           </a:p>
@@ -867,7 +867,7 @@
           <a:p>
             <a:fld id="{E3AC0689-6A24-4208-BF9F-1A69A3BAD549}" type="datetimeFigureOut">
               <a:rPr lang="en-US" smtClean="0"/>
-              <a:t>11/10/2019</a:t>
+              <a:t>11/11/2019</a:t>
             </a:fld>
             <a:endParaRPr lang="en-US"/>
           </a:p>
@@ -1142,7 +1142,7 @@
           <a:p>
             <a:fld id="{E3AC0689-6A24-4208-BF9F-1A69A3BAD549}" type="datetimeFigureOut">
               <a:rPr lang="en-US" smtClean="0"/>
-              <a:t>11/10/2019</a:t>
+              <a:t>11/11/2019</a:t>
             </a:fld>
             <a:endParaRPr lang="en-US"/>
           </a:p>
@@ -1407,7 +1407,7 @@
           <a:p>
             <a:fld id="{E3AC0689-6A24-4208-BF9F-1A69A3BAD549}" type="datetimeFigureOut">
               <a:rPr lang="en-US" smtClean="0"/>
-              <a:t>11/10/2019</a:t>
+              <a:t>11/11/2019</a:t>
             </a:fld>
             <a:endParaRPr lang="en-US"/>
           </a:p>
@@ -1819,7 +1819,7 @@
           <a:p>
             <a:fld id="{E3AC0689-6A24-4208-BF9F-1A69A3BAD549}" type="datetimeFigureOut">
               <a:rPr lang="en-US" smtClean="0"/>
-              <a:t>11/10/2019</a:t>
+              <a:t>11/11/2019</a:t>
             </a:fld>
             <a:endParaRPr lang="en-US"/>
           </a:p>
@@ -1960,7 +1960,7 @@
           <a:p>
             <a:fld id="{E3AC0689-6A24-4208-BF9F-1A69A3BAD549}" type="datetimeFigureOut">
               <a:rPr lang="en-US" smtClean="0"/>
-              <a:t>11/10/2019</a:t>
+              <a:t>11/11/2019</a:t>
             </a:fld>
             <a:endParaRPr lang="en-US"/>
           </a:p>
@@ -2073,7 +2073,7 @@
           <a:p>
             <a:fld id="{E3AC0689-6A24-4208-BF9F-1A69A3BAD549}" type="datetimeFigureOut">
               <a:rPr lang="en-US" smtClean="0"/>
-              <a:t>11/10/2019</a:t>
+              <a:t>11/11/2019</a:t>
             </a:fld>
             <a:endParaRPr lang="en-US"/>
           </a:p>
@@ -2384,7 +2384,7 @@
           <a:p>
             <a:fld id="{E3AC0689-6A24-4208-BF9F-1A69A3BAD549}" type="datetimeFigureOut">
               <a:rPr lang="en-US" smtClean="0"/>
-              <a:t>11/10/2019</a:t>
+              <a:t>11/11/2019</a:t>
             </a:fld>
             <a:endParaRPr lang="en-US"/>
           </a:p>
@@ -2672,7 +2672,7 @@
           <a:p>
             <a:fld id="{E3AC0689-6A24-4208-BF9F-1A69A3BAD549}" type="datetimeFigureOut">
               <a:rPr lang="en-US" smtClean="0"/>
-              <a:t>11/10/2019</a:t>
+              <a:t>11/11/2019</a:t>
             </a:fld>
             <a:endParaRPr lang="en-US"/>
           </a:p>
@@ -2913,7 +2913,7 @@
           <a:p>
             <a:fld id="{E3AC0689-6A24-4208-BF9F-1A69A3BAD549}" type="datetimeFigureOut">
               <a:rPr lang="en-US" smtClean="0"/>
-              <a:t>11/10/2019</a:t>
+              <a:t>11/11/2019</a:t>
             </a:fld>
             <a:endParaRPr lang="en-US"/>
           </a:p>
@@ -4616,7 +4616,43 @@
         </p:blipFill>
         <p:spPr>
           <a:xfrm>
-            <a:off x="4651885" y="1180879"/>
+            <a:off x="7342449" y="1134697"/>
+            <a:ext cx="2888230" cy="5105842"/>
+          </a:xfrm>
+          <a:prstGeom prst="rect">
+            <a:avLst/>
+          </a:prstGeom>
+        </p:spPr>
+      </p:pic>
+      <p:pic>
+        <p:nvPicPr>
+          <p:cNvPr id="4" name="Picture 3" descr="A screenshot of a cell phone&#10;&#10;Description automatically generated">
+            <a:extLst>
+              <a:ext uri="{FF2B5EF4-FFF2-40B4-BE49-F238E27FC236}">
+                <a16:creationId xmlns:a16="http://schemas.microsoft.com/office/drawing/2014/main" id="{A39B427E-3F7A-4529-90BA-E4017E4F5E1D}"/>
+              </a:ext>
+            </a:extLst>
+          </p:cNvPr>
+          <p:cNvPicPr>
+            <a:picLocks noChangeAspect="1"/>
+          </p:cNvPicPr>
+          <p:nvPr/>
+        </p:nvPicPr>
+        <p:blipFill>
+          <a:blip r:embed="rId4">
+            <a:extLst>
+              <a:ext uri="{28A0092B-C50C-407E-A947-70E740481C1C}">
+                <a14:useLocalDpi xmlns:a14="http://schemas.microsoft.com/office/drawing/2010/main" val="0"/>
+              </a:ext>
+            </a:extLst>
+          </a:blip>
+          <a:stretch>
+            <a:fillRect/>
+          </a:stretch>
+        </p:blipFill>
+        <p:spPr>
+          <a:xfrm>
+            <a:off x="1640831" y="1134697"/>
             <a:ext cx="2888230" cy="5105842"/>
           </a:xfrm>
           <a:prstGeom prst="rect">
